--- a/PPT/Graphics Pipeline01-课程介绍.pptx
+++ b/PPT/Graphics Pipeline01-课程介绍.pptx
@@ -5,7 +5,7 @@
     <p:sldMasterId id="2147483648" r:id="rId1"/>
   </p:sldMasterIdLst>
   <p:notesMasterIdLst>
-    <p:notesMasterId r:id="rId8"/>
+    <p:notesMasterId r:id="rId11"/>
   </p:notesMasterIdLst>
   <p:sldIdLst>
     <p:sldId id="256" r:id="rId2"/>
@@ -13,7 +13,10 @@
     <p:sldId id="261" r:id="rId4"/>
     <p:sldId id="265" r:id="rId5"/>
     <p:sldId id="266" r:id="rId6"/>
-    <p:sldId id="259" r:id="rId7"/>
+    <p:sldId id="267" r:id="rId7"/>
+    <p:sldId id="268" r:id="rId8"/>
+    <p:sldId id="269" r:id="rId9"/>
+    <p:sldId id="259" r:id="rId10"/>
   </p:sldIdLst>
   <p:sldSz cx="9144000" cy="5143500" type="screen16x9"/>
   <p:notesSz cx="6858000" cy="9144000"/>
@@ -325,7 +328,7 @@
               <a:pPr>
                 <a:defRPr/>
               </a:pPr>
-              <a:t>2018/7/31</a:t>
+              <a:t>2019-06-09</a:t>
             </a:fld>
             <a:endParaRPr lang="zh-CN" altLang="en-US" sz="1200"/>
           </a:p>
@@ -3416,7 +3419,7 @@
                 <a:ea typeface="微软雅黑" panose="020B0503020204020204" pitchFamily="34" charset="-122"/>
                 <a:sym typeface="微软雅黑" panose="020B0503020204020204" pitchFamily="34" charset="-122"/>
               </a:rPr>
-              <a:t>计算机图形管线</a:t>
+              <a:t>计算机图形渲染管线</a:t>
             </a:r>
             <a:endParaRPr lang="en-US" altLang="zh-CN" sz="4800" dirty="0">
               <a:solidFill>
@@ -4651,7 +4654,7 @@
               <a:defRPr/>
             </a:pPr>
             <a:r>
-              <a:rPr lang="zh-CN" altLang="en-US" sz="2800" dirty="0">
+              <a:rPr lang="zh-CN" altLang="en-US" sz="2600" dirty="0">
                 <a:solidFill>
                   <a:schemeClr val="tx1">
                     <a:lumMod val="65000"/>
@@ -4661,9 +4664,9 @@
                 <a:latin typeface="微软雅黑 Light" panose="020B0502040204020203" pitchFamily="34" charset="-122"/>
                 <a:ea typeface="微软雅黑 Light" panose="020B0502040204020203" pitchFamily="34" charset="-122"/>
               </a:rPr>
-              <a:t>掌握计算机图形管线的概念。</a:t>
-            </a:r>
-            <a:endParaRPr lang="en-US" altLang="zh-CN" sz="2800" dirty="0">
+              <a:t>掌握计算机图形固定渲染管线的概念。</a:t>
+            </a:r>
+            <a:endParaRPr lang="en-US" altLang="zh-CN" sz="2600" dirty="0">
               <a:solidFill>
                 <a:schemeClr val="tx1">
                   <a:lumMod val="65000"/>
@@ -4682,7 +4685,7 @@
               <a:defRPr/>
             </a:pPr>
             <a:r>
-              <a:rPr lang="zh-CN" altLang="en-US" sz="2800" dirty="0">
+              <a:rPr lang="zh-CN" altLang="en-US" sz="2600" dirty="0">
                 <a:solidFill>
                   <a:schemeClr val="tx1">
                     <a:lumMod val="65000"/>
@@ -4692,9 +4695,9 @@
                 <a:latin typeface="微软雅黑 Light" panose="020B0502040204020203" pitchFamily="34" charset="-122"/>
                 <a:ea typeface="微软雅黑 Light" panose="020B0502040204020203" pitchFamily="34" charset="-122"/>
               </a:rPr>
-              <a:t>掌握计算机图形管线每个阶段的作用。</a:t>
-            </a:r>
-            <a:endParaRPr lang="en-US" altLang="zh-CN" sz="2800" dirty="0">
+              <a:t>掌握计算机图形固定渲染管线每个阶段的作用。</a:t>
+            </a:r>
+            <a:endParaRPr lang="en-US" altLang="zh-CN" sz="2600" dirty="0">
               <a:solidFill>
                 <a:schemeClr val="tx1">
                   <a:lumMod val="65000"/>
@@ -4713,7 +4716,7 @@
               <a:defRPr/>
             </a:pPr>
             <a:r>
-              <a:rPr lang="zh-CN" altLang="en-US" sz="2800" dirty="0">
+              <a:rPr lang="zh-CN" altLang="en-US" sz="2600" dirty="0">
                 <a:solidFill>
                   <a:schemeClr val="tx1">
                     <a:lumMod val="65000"/>
@@ -4723,9 +4726,9 @@
                 <a:latin typeface="微软雅黑 Light" panose="020B0502040204020203" pitchFamily="34" charset="-122"/>
                 <a:ea typeface="微软雅黑 Light" panose="020B0502040204020203" pitchFamily="34" charset="-122"/>
               </a:rPr>
-              <a:t>掌握计算机图形管线每个阶段的坐标变换。</a:t>
-            </a:r>
-            <a:endParaRPr lang="en-US" altLang="zh-CN" sz="2800" dirty="0">
+              <a:t>掌握计算机图形固定渲染管线每个阶段的坐标变换。</a:t>
+            </a:r>
+            <a:endParaRPr lang="en-US" altLang="zh-CN" sz="2600" dirty="0">
               <a:solidFill>
                 <a:schemeClr val="tx1">
                   <a:lumMod val="65000"/>
@@ -4744,7 +4747,7 @@
               <a:defRPr/>
             </a:pPr>
             <a:r>
-              <a:rPr lang="zh-CN" altLang="en-US" sz="2800" dirty="0">
+              <a:rPr lang="zh-CN" altLang="en-US" sz="2600" dirty="0">
                 <a:solidFill>
                   <a:schemeClr val="tx1">
                     <a:lumMod val="65000"/>
@@ -4756,7 +4759,7 @@
               </a:rPr>
               <a:t>为深入学习计算机图形学打好基础。</a:t>
             </a:r>
-            <a:endParaRPr lang="en-US" altLang="zh-CN" sz="2800" dirty="0">
+            <a:endParaRPr lang="en-US" altLang="zh-CN" sz="2600" dirty="0">
               <a:solidFill>
                 <a:schemeClr val="tx1">
                   <a:lumMod val="65000"/>
@@ -5191,7 +5194,7 @@
                 <a:latin typeface="微软雅黑 Light" panose="020B0502040204020203" pitchFamily="34" charset="-122"/>
                 <a:ea typeface="微软雅黑 Light" panose="020B0502040204020203" pitchFamily="34" charset="-122"/>
               </a:rPr>
-              <a:t>C++</a:t>
+              <a:t>C/C++</a:t>
             </a:r>
             <a:r>
               <a:rPr lang="zh-CN" altLang="en-US" sz="2800" dirty="0">
@@ -5204,7 +5207,64 @@
                 <a:latin typeface="微软雅黑 Light" panose="020B0502040204020203" pitchFamily="34" charset="-122"/>
                 <a:ea typeface="微软雅黑 Light" panose="020B0502040204020203" pitchFamily="34" charset="-122"/>
               </a:rPr>
-              <a:t>基础</a:t>
+              <a:t>或其他编程基础</a:t>
+            </a:r>
+            <a:endParaRPr lang="en-US" altLang="zh-CN" sz="2800" dirty="0">
+              <a:solidFill>
+                <a:schemeClr val="tx1">
+                  <a:lumMod val="65000"/>
+                  <a:lumOff val="35000"/>
+                </a:schemeClr>
+              </a:solidFill>
+              <a:latin typeface="微软雅黑 Light" panose="020B0502040204020203" pitchFamily="34" charset="-122"/>
+              <a:ea typeface="微软雅黑 Light" panose="020B0502040204020203" pitchFamily="34" charset="-122"/>
+            </a:endParaRPr>
+          </a:p>
+          <a:p>
+            <a:pPr eaLnBrk="1" hangingPunct="1">
+              <a:lnSpc>
+                <a:spcPct val="150000"/>
+              </a:lnSpc>
+              <a:defRPr/>
+            </a:pPr>
+            <a:r>
+              <a:rPr lang="zh-CN" altLang="en-US" sz="2800" dirty="0">
+                <a:solidFill>
+                  <a:schemeClr val="tx1">
+                    <a:lumMod val="65000"/>
+                    <a:lumOff val="35000"/>
+                  </a:schemeClr>
+                </a:solidFill>
+                <a:latin typeface="微软雅黑 Light" panose="020B0502040204020203" pitchFamily="34" charset="-122"/>
+                <a:ea typeface="微软雅黑 Light" panose="020B0502040204020203" pitchFamily="34" charset="-122"/>
+              </a:rPr>
+              <a:t>需要基础</a:t>
+            </a:r>
+            <a:r>
+              <a:rPr lang="en-US" altLang="zh-CN" sz="2800" dirty="0">
+                <a:solidFill>
+                  <a:schemeClr val="tx1">
+                    <a:lumMod val="65000"/>
+                    <a:lumOff val="35000"/>
+                  </a:schemeClr>
+                </a:solidFill>
+                <a:latin typeface="微软雅黑 Light" panose="020B0502040204020203" pitchFamily="34" charset="-122"/>
+                <a:ea typeface="微软雅黑 Light" panose="020B0502040204020203" pitchFamily="34" charset="-122"/>
+              </a:rPr>
+              <a:t>OpenGL</a:t>
+            </a:r>
+            <a:r>
+              <a:rPr lang="zh-CN" altLang="en-US" sz="2800" dirty="0">
+                <a:solidFill>
+                  <a:schemeClr val="tx1">
+                    <a:lumMod val="65000"/>
+                    <a:lumOff val="35000"/>
+                  </a:schemeClr>
+                </a:solidFill>
+                <a:latin typeface="微软雅黑 Light" panose="020B0502040204020203" pitchFamily="34" charset="-122"/>
+                <a:ea typeface="微软雅黑 Light" panose="020B0502040204020203" pitchFamily="34" charset="-122"/>
+              </a:rPr>
+              <a:t>知识</a:t>
             </a:r>
             <a:endParaRPr lang="en-US" altLang="zh-CN" sz="2800" dirty="0">
               <a:solidFill>
@@ -5764,19 +5824,25 @@
               <a:defRPr/>
             </a:pPr>
             <a:r>
-              <a:rPr lang="zh-CN" altLang="en-US" sz="2800" b="1" dirty="0">
-                <a:solidFill>
-                  <a:srgbClr val="C00000"/>
+              <a:rPr lang="zh-CN" altLang="en-US" sz="2800" dirty="0">
+                <a:solidFill>
+                  <a:schemeClr val="tx1">
+                    <a:lumMod val="65000"/>
+                    <a:lumOff val="35000"/>
+                  </a:schemeClr>
                 </a:solidFill>
                 <a:latin typeface="微软雅黑 Light" panose="020B0502040204020203" pitchFamily="34" charset="-122"/>
                 <a:ea typeface="微软雅黑 Light" panose="020B0502040204020203" pitchFamily="34" charset="-122"/>
               </a:rPr>
-              <a:t>计算机图形管线</a:t>
-            </a:r>
-            <a:r>
-              <a:rPr lang="en-US" altLang="zh-CN" sz="2800" b="1" dirty="0">
-                <a:solidFill>
-                  <a:srgbClr val="C00000"/>
+              <a:t>计算机图形渲染管线</a:t>
+            </a:r>
+            <a:r>
+              <a:rPr lang="en-US" altLang="zh-CN" sz="2800" dirty="0">
+                <a:solidFill>
+                  <a:schemeClr val="tx1">
+                    <a:lumMod val="65000"/>
+                    <a:lumOff val="35000"/>
+                  </a:schemeClr>
                 </a:solidFill>
                 <a:latin typeface="微软雅黑 Light" panose="020B0502040204020203" pitchFamily="34" charset="-122"/>
                 <a:ea typeface="微软雅黑 Light" panose="020B0502040204020203" pitchFamily="34" charset="-122"/>
@@ -5784,94 +5850,17 @@
               <a:t>-</a:t>
             </a:r>
             <a:r>
-              <a:rPr lang="zh-CN" altLang="en-US" sz="2800" b="1" dirty="0">
-                <a:solidFill>
-                  <a:srgbClr val="C00000"/>
+              <a:rPr lang="zh-CN" altLang="en-US" sz="2800" dirty="0">
+                <a:solidFill>
+                  <a:schemeClr val="tx1">
+                    <a:lumMod val="65000"/>
+                    <a:lumOff val="35000"/>
+                  </a:schemeClr>
                 </a:solidFill>
                 <a:latin typeface="微软雅黑 Light" panose="020B0502040204020203" pitchFamily="34" charset="-122"/>
                 <a:ea typeface="微软雅黑 Light" panose="020B0502040204020203" pitchFamily="34" charset="-122"/>
               </a:rPr>
               <a:t>固定管线</a:t>
-            </a:r>
-            <a:endParaRPr lang="en-US" altLang="zh-CN" sz="2800" b="1" dirty="0">
-              <a:solidFill>
-                <a:srgbClr val="C00000"/>
-              </a:solidFill>
-              <a:latin typeface="微软雅黑 Light" panose="020B0502040204020203" pitchFamily="34" charset="-122"/>
-              <a:ea typeface="微软雅黑 Light" panose="020B0502040204020203" pitchFamily="34" charset="-122"/>
-            </a:endParaRPr>
-          </a:p>
-          <a:p>
-            <a:pPr eaLnBrk="1" hangingPunct="1">
-              <a:lnSpc>
-                <a:spcPct val="150000"/>
-              </a:lnSpc>
-              <a:defRPr/>
-            </a:pPr>
-            <a:r>
-              <a:rPr lang="zh-CN" altLang="en-US" sz="2800" dirty="0">
-                <a:solidFill>
-                  <a:schemeClr val="tx1">
-                    <a:lumMod val="65000"/>
-                    <a:lumOff val="35000"/>
-                  </a:schemeClr>
-                </a:solidFill>
-                <a:latin typeface="微软雅黑 Light" panose="020B0502040204020203" pitchFamily="34" charset="-122"/>
-                <a:ea typeface="微软雅黑 Light" panose="020B0502040204020203" pitchFamily="34" charset="-122"/>
-              </a:rPr>
-              <a:t>计算机图形管线</a:t>
-            </a:r>
-            <a:r>
-              <a:rPr lang="en-US" altLang="zh-CN" sz="2800" dirty="0">
-                <a:solidFill>
-                  <a:schemeClr val="tx1">
-                    <a:lumMod val="65000"/>
-                    <a:lumOff val="35000"/>
-                  </a:schemeClr>
-                </a:solidFill>
-                <a:latin typeface="微软雅黑 Light" panose="020B0502040204020203" pitchFamily="34" charset="-122"/>
-                <a:ea typeface="微软雅黑 Light" panose="020B0502040204020203" pitchFamily="34" charset="-122"/>
-              </a:rPr>
-              <a:t>-</a:t>
-            </a:r>
-            <a:r>
-              <a:rPr lang="zh-CN" altLang="en-US" sz="2800" dirty="0">
-                <a:solidFill>
-                  <a:schemeClr val="tx1">
-                    <a:lumMod val="65000"/>
-                    <a:lumOff val="35000"/>
-                  </a:schemeClr>
-                </a:solidFill>
-                <a:latin typeface="微软雅黑 Light" panose="020B0502040204020203" pitchFamily="34" charset="-122"/>
-                <a:ea typeface="微软雅黑 Light" panose="020B0502040204020203" pitchFamily="34" charset="-122"/>
-              </a:rPr>
-              <a:t>可编程管线（</a:t>
-            </a:r>
-            <a:r>
-              <a:rPr lang="en-US" altLang="zh-CN" sz="2800" dirty="0">
-                <a:solidFill>
-                  <a:schemeClr val="tx1">
-                    <a:lumMod val="65000"/>
-                    <a:lumOff val="35000"/>
-                  </a:schemeClr>
-                </a:solidFill>
-                <a:latin typeface="微软雅黑 Light" panose="020B0502040204020203" pitchFamily="34" charset="-122"/>
-                <a:ea typeface="微软雅黑 Light" panose="020B0502040204020203" pitchFamily="34" charset="-122"/>
-              </a:rPr>
-              <a:t>Shader</a:t>
-            </a:r>
-            <a:r>
-              <a:rPr lang="zh-CN" altLang="en-US" sz="2800" dirty="0">
-                <a:solidFill>
-                  <a:schemeClr val="tx1">
-                    <a:lumMod val="65000"/>
-                    <a:lumOff val="35000"/>
-                  </a:schemeClr>
-                </a:solidFill>
-                <a:latin typeface="微软雅黑 Light" panose="020B0502040204020203" pitchFamily="34" charset="-122"/>
-                <a:ea typeface="微软雅黑 Light" panose="020B0502040204020203" pitchFamily="34" charset="-122"/>
-              </a:rPr>
-              <a:t>编程）</a:t>
             </a:r>
             <a:endParaRPr lang="en-US" altLang="zh-CN" sz="2800" dirty="0">
               <a:solidFill>
@@ -6033,16 +6022,16 @@
           <a:p>
             <a:pPr algn="l" eaLnBrk="1" hangingPunct="1"/>
             <a:r>
-              <a:rPr lang="zh-CN" altLang="en-US" dirty="0">
+              <a:rPr lang="zh-CN" altLang="en-US">
                 <a:solidFill>
                   <a:srgbClr val="C00000"/>
                 </a:solidFill>
                 <a:latin typeface="微软雅黑 Light" panose="020B0502040204020203" pitchFamily="34" charset="-122"/>
                 <a:ea typeface="微软雅黑 Light" panose="020B0502040204020203" pitchFamily="34" charset="-122"/>
               </a:rPr>
-              <a:t>课程内容</a:t>
-            </a:r>
-            <a:endParaRPr lang="en-US" altLang="zh-CN" dirty="0">
+              <a:t>课程说明</a:t>
+            </a:r>
+            <a:endParaRPr lang="en-US" altLang="zh-CN">
               <a:solidFill>
                 <a:srgbClr val="C00000"/>
               </a:solidFill>
@@ -6264,7 +6253,7 @@
                 <a:latin typeface="微软雅黑 Light" panose="020B0502040204020203" pitchFamily="34" charset="-122"/>
                 <a:ea typeface="微软雅黑 Light" panose="020B0502040204020203" pitchFamily="34" charset="-122"/>
               </a:rPr>
-              <a:t>计算机图形管线</a:t>
+              <a:t>计算机图形渲染管线</a:t>
             </a:r>
             <a:r>
               <a:rPr lang="en-US" altLang="zh-CN" sz="2800" dirty="0">
@@ -6290,33 +6279,7 @@
                 <a:latin typeface="微软雅黑 Light" panose="020B0502040204020203" pitchFamily="34" charset="-122"/>
                 <a:ea typeface="微软雅黑 Light" panose="020B0502040204020203" pitchFamily="34" charset="-122"/>
               </a:rPr>
-              <a:t>可编程管线（</a:t>
-            </a:r>
-            <a:r>
-              <a:rPr lang="en-US" altLang="zh-CN" sz="2800" dirty="0">
-                <a:solidFill>
-                  <a:schemeClr val="tx1">
-                    <a:lumMod val="65000"/>
-                    <a:lumOff val="35000"/>
-                  </a:schemeClr>
-                </a:solidFill>
-                <a:latin typeface="微软雅黑 Light" panose="020B0502040204020203" pitchFamily="34" charset="-122"/>
-                <a:ea typeface="微软雅黑 Light" panose="020B0502040204020203" pitchFamily="34" charset="-122"/>
-              </a:rPr>
-              <a:t>Shader</a:t>
-            </a:r>
-            <a:r>
-              <a:rPr lang="zh-CN" altLang="en-US" sz="2800" dirty="0">
-                <a:solidFill>
-                  <a:schemeClr val="tx1">
-                    <a:lumMod val="65000"/>
-                    <a:lumOff val="35000"/>
-                  </a:schemeClr>
-                </a:solidFill>
-                <a:latin typeface="微软雅黑 Light" panose="020B0502040204020203" pitchFamily="34" charset="-122"/>
-                <a:ea typeface="微软雅黑 Light" panose="020B0502040204020203" pitchFamily="34" charset="-122"/>
-              </a:rPr>
-              <a:t>编程）</a:t>
+              <a:t>固定管线</a:t>
             </a:r>
             <a:endParaRPr lang="en-US" altLang="zh-CN" sz="2800" dirty="0">
               <a:solidFill>
@@ -6329,12 +6292,43 @@
               <a:ea typeface="微软雅黑 Light" panose="020B0502040204020203" pitchFamily="34" charset="-122"/>
             </a:endParaRPr>
           </a:p>
+          <a:p>
+            <a:pPr lvl="1" eaLnBrk="1" hangingPunct="1">
+              <a:lnSpc>
+                <a:spcPct val="150000"/>
+              </a:lnSpc>
+              <a:defRPr/>
+            </a:pPr>
+            <a:r>
+              <a:rPr lang="zh-CN" altLang="en-US" sz="2400" dirty="0">
+                <a:solidFill>
+                  <a:schemeClr val="tx1">
+                    <a:lumMod val="65000"/>
+                    <a:lumOff val="35000"/>
+                  </a:schemeClr>
+                </a:solidFill>
+                <a:latin typeface="微软雅黑 Light" panose="020B0502040204020203" pitchFamily="34" charset="-122"/>
+                <a:ea typeface="微软雅黑 Light" panose="020B0502040204020203" pitchFamily="34" charset="-122"/>
+              </a:rPr>
+              <a:t>固定渲染管线的每个阶段</a:t>
+            </a:r>
+            <a:endParaRPr lang="en-US" altLang="zh-CN" sz="2400" dirty="0">
+              <a:solidFill>
+                <a:schemeClr val="tx1">
+                  <a:lumMod val="65000"/>
+                  <a:lumOff val="35000"/>
+                </a:schemeClr>
+              </a:solidFill>
+              <a:latin typeface="微软雅黑 Light" panose="020B0502040204020203" pitchFamily="34" charset="-122"/>
+              <a:ea typeface="微软雅黑 Light" panose="020B0502040204020203" pitchFamily="34" charset="-122"/>
+            </a:endParaRPr>
+          </a:p>
         </p:txBody>
       </p:sp>
     </p:spTree>
     <p:extLst>
       <p:ext uri="{BB962C8B-B14F-4D97-AF65-F5344CB8AC3E}">
-        <p14:creationId xmlns:p14="http://schemas.microsoft.com/office/powerpoint/2010/main" val="248523866"/>
+        <p14:creationId xmlns:p14="http://schemas.microsoft.com/office/powerpoint/2010/main" val="1237082583"/>
       </p:ext>
     </p:extLst>
   </p:cSld>
@@ -6345,6 +6339,1625 @@
 </file>
 
 <file path=ppt/slides/slide6.xml><?xml version="1.0" encoding="utf-8"?>
+<p:sld xmlns:a="http://schemas.openxmlformats.org/drawingml/2006/main" xmlns:r="http://schemas.openxmlformats.org/officeDocument/2006/relationships" xmlns:p="http://schemas.openxmlformats.org/presentationml/2006/main">
+  <p:cSld>
+    <p:spTree>
+      <p:nvGrpSpPr>
+        <p:cNvPr id="1" name=""/>
+        <p:cNvGrpSpPr/>
+        <p:nvPr/>
+      </p:nvGrpSpPr>
+      <p:grpSpPr>
+        <a:xfrm>
+          <a:off x="0" y="0"/>
+          <a:ext cx="0" cy="0"/>
+          <a:chOff x="0" y="0"/>
+          <a:chExt cx="0" cy="0"/>
+        </a:xfrm>
+      </p:grpSpPr>
+      <p:pic>
+        <p:nvPicPr>
+          <p:cNvPr id="9218" name="Picture 2">
+            <a:extLst>
+              <a:ext uri="{FF2B5EF4-FFF2-40B4-BE49-F238E27FC236}">
+                <a16:creationId xmlns:a16="http://schemas.microsoft.com/office/drawing/2014/main" id="{F136285C-80DA-430D-BDBA-06FE759B3871}"/>
+              </a:ext>
+            </a:extLst>
+          </p:cNvPr>
+          <p:cNvPicPr>
+            <a:picLocks noChangeAspect="1" noChangeArrowheads="1"/>
+          </p:cNvPicPr>
+          <p:nvPr/>
+        </p:nvPicPr>
+        <p:blipFill>
+          <a:blip r:embed="rId2">
+            <a:extLst>
+              <a:ext uri="{28A0092B-C50C-407E-A947-70E740481C1C}">
+                <a14:useLocalDpi xmlns:a14="http://schemas.microsoft.com/office/drawing/2010/main" val="0"/>
+              </a:ext>
+            </a:extLst>
+          </a:blip>
+          <a:srcRect/>
+          <a:stretch>
+            <a:fillRect/>
+          </a:stretch>
+        </p:blipFill>
+        <p:spPr bwMode="auto">
+          <a:xfrm>
+            <a:off x="7956550" y="4606925"/>
+            <a:ext cx="1081088" cy="450850"/>
+          </a:xfrm>
+          <a:prstGeom prst="rect">
+            <a:avLst/>
+          </a:prstGeom>
+          <a:noFill/>
+          <a:ln>
+            <a:noFill/>
+          </a:ln>
+          <a:effectLst/>
+          <a:extLst>
+            <a:ext uri="{909E8E84-426E-40DD-AFC4-6F175D3DCCD1}">
+              <a14:hiddenFill xmlns:a14="http://schemas.microsoft.com/office/drawing/2010/main">
+                <a:solidFill>
+                  <a:srgbClr val="FFFFFF"/>
+                </a:solidFill>
+              </a14:hiddenFill>
+            </a:ext>
+            <a:ext uri="{91240B29-F687-4F45-9708-019B960494DF}">
+              <a14:hiddenLine xmlns:a14="http://schemas.microsoft.com/office/drawing/2010/main" w="9525">
+                <a:solidFill>
+                  <a:srgbClr val="000000"/>
+                </a:solidFill>
+                <a:miter lim="800000"/>
+                <a:headEnd/>
+                <a:tailEnd/>
+              </a14:hiddenLine>
+            </a:ext>
+            <a:ext uri="{AF507438-7753-43E0-B8FC-AC1667EBCBE1}">
+              <a14:hiddenEffects xmlns:a14="http://schemas.microsoft.com/office/drawing/2010/main">
+                <a:effectLst>
+                  <a:outerShdw dist="35921" dir="2700000" algn="ctr" rotWithShape="0">
+                    <a:srgbClr val="808080"/>
+                  </a:outerShdw>
+                </a:effectLst>
+              </a14:hiddenEffects>
+            </a:ext>
+          </a:extLst>
+        </p:spPr>
+      </p:pic>
+      <p:sp>
+        <p:nvSpPr>
+          <p:cNvPr id="9219" name="Title 1">
+            <a:extLst>
+              <a:ext uri="{FF2B5EF4-FFF2-40B4-BE49-F238E27FC236}">
+                <a16:creationId xmlns:a16="http://schemas.microsoft.com/office/drawing/2014/main" id="{8E500A20-6A5A-42DC-82C7-AAB2920276C8}"/>
+              </a:ext>
+            </a:extLst>
+          </p:cNvPr>
+          <p:cNvSpPr>
+            <a:spLocks noGrp="1" noChangeArrowheads="1"/>
+          </p:cNvSpPr>
+          <p:nvPr>
+            <p:ph type="title"/>
+          </p:nvPr>
+        </p:nvSpPr>
+        <p:spPr bwMode="auto">
+          <a:xfrm>
+            <a:off x="609600" y="276225"/>
+            <a:ext cx="8229600" cy="711200"/>
+          </a:xfrm>
+          <a:noFill/>
+          <a:extLst>
+            <a:ext uri="{909E8E84-426E-40DD-AFC4-6F175D3DCCD1}">
+              <a14:hiddenFill xmlns:a14="http://schemas.microsoft.com/office/drawing/2010/main">
+                <a:solidFill>
+                  <a:srgbClr val="FFFFFF"/>
+                </a:solidFill>
+              </a14:hiddenFill>
+            </a:ext>
+            <a:ext uri="{91240B29-F687-4F45-9708-019B960494DF}">
+              <a14:hiddenLine xmlns:a14="http://schemas.microsoft.com/office/drawing/2010/main" w="9525">
+                <a:solidFill>
+                  <a:srgbClr val="000000"/>
+                </a:solidFill>
+                <a:miter lim="800000"/>
+                <a:headEnd/>
+                <a:tailEnd/>
+              </a14:hiddenLine>
+            </a:ext>
+          </a:extLst>
+        </p:spPr>
+        <p:txBody>
+          <a:bodyPr vert="horz" wrap="square" lIns="91440" tIns="45720" rIns="91440" bIns="45720" numCol="1" anchor="t" anchorCtr="0" compatLnSpc="1">
+            <a:prstTxWarp prst="textNoShape">
+              <a:avLst/>
+            </a:prstTxWarp>
+          </a:bodyPr>
+          <a:lstStyle/>
+          <a:p>
+            <a:pPr algn="l" eaLnBrk="1" hangingPunct="1"/>
+            <a:r>
+              <a:rPr lang="zh-CN" altLang="en-US">
+                <a:solidFill>
+                  <a:srgbClr val="C00000"/>
+                </a:solidFill>
+                <a:latin typeface="微软雅黑 Light" panose="020B0502040204020203" pitchFamily="34" charset="-122"/>
+                <a:ea typeface="微软雅黑 Light" panose="020B0502040204020203" pitchFamily="34" charset="-122"/>
+              </a:rPr>
+              <a:t>课程说明</a:t>
+            </a:r>
+            <a:endParaRPr lang="en-US" altLang="zh-CN">
+              <a:solidFill>
+                <a:srgbClr val="C00000"/>
+              </a:solidFill>
+              <a:latin typeface="微软雅黑 Light" panose="020B0502040204020203" pitchFamily="34" charset="-122"/>
+              <a:ea typeface="微软雅黑 Light" panose="020B0502040204020203" pitchFamily="34" charset="-122"/>
+            </a:endParaRPr>
+          </a:p>
+        </p:txBody>
+      </p:sp>
+      <p:sp>
+        <p:nvSpPr>
+          <p:cNvPr id="4" name="Content Placeholder 3">
+            <a:extLst>
+              <a:ext uri="{FF2B5EF4-FFF2-40B4-BE49-F238E27FC236}">
+                <a16:creationId xmlns:a16="http://schemas.microsoft.com/office/drawing/2014/main" id="{F89B818C-8C23-4AB3-931D-1B3759EFC22A}"/>
+              </a:ext>
+            </a:extLst>
+          </p:cNvPr>
+          <p:cNvSpPr txBox="1">
+            <a:spLocks/>
+          </p:cNvSpPr>
+          <p:nvPr/>
+        </p:nvSpPr>
+        <p:spPr>
+          <a:xfrm>
+            <a:off x="609600" y="1284288"/>
+            <a:ext cx="8229600" cy="3925887"/>
+          </a:xfrm>
+          <a:prstGeom prst="rect">
+            <a:avLst/>
+          </a:prstGeom>
+        </p:spPr>
+        <p:txBody>
+          <a:bodyPr/>
+          <a:lstStyle>
+            <a:lvl1pPr marL="342900" indent="-342900" algn="l" rtl="0" fontAlgn="base">
+              <a:spcBef>
+                <a:spcPct val="20000"/>
+              </a:spcBef>
+              <a:spcAft>
+                <a:spcPct val="0"/>
+              </a:spcAft>
+              <a:buFont typeface="Arial" panose="020B0604020202020204" pitchFamily="34" charset="0"/>
+              <a:buChar char="•"/>
+              <a:defRPr sz="3200" kern="1200">
+                <a:solidFill>
+                  <a:schemeClr val="tx1"/>
+                </a:solidFill>
+                <a:latin typeface="+mn-lt"/>
+                <a:ea typeface="+mn-ea"/>
+                <a:cs typeface="+mn-cs"/>
+                <a:sym typeface="Calibri" panose="020F0502020204030204" pitchFamily="34" charset="0"/>
+              </a:defRPr>
+            </a:lvl1pPr>
+            <a:lvl2pPr marL="742950" indent="-285750" algn="l" rtl="0" fontAlgn="base">
+              <a:spcBef>
+                <a:spcPct val="20000"/>
+              </a:spcBef>
+              <a:spcAft>
+                <a:spcPct val="0"/>
+              </a:spcAft>
+              <a:buFont typeface="Arial" panose="020B0604020202020204" pitchFamily="34" charset="0"/>
+              <a:buChar char="–"/>
+              <a:defRPr sz="2800" kern="1200">
+                <a:solidFill>
+                  <a:schemeClr val="tx1"/>
+                </a:solidFill>
+                <a:latin typeface="+mn-lt"/>
+                <a:ea typeface="+mn-ea"/>
+                <a:cs typeface="+mn-cs"/>
+                <a:sym typeface="Calibri" panose="020F0502020204030204" pitchFamily="34" charset="0"/>
+              </a:defRPr>
+            </a:lvl2pPr>
+            <a:lvl3pPr marL="1143000" indent="-228600" algn="l" rtl="0" fontAlgn="base">
+              <a:spcBef>
+                <a:spcPct val="20000"/>
+              </a:spcBef>
+              <a:spcAft>
+                <a:spcPct val="0"/>
+              </a:spcAft>
+              <a:buFont typeface="Arial" panose="020B0604020202020204" pitchFamily="34" charset="0"/>
+              <a:buChar char="•"/>
+              <a:defRPr sz="2400" kern="1200">
+                <a:solidFill>
+                  <a:schemeClr val="tx1"/>
+                </a:solidFill>
+                <a:latin typeface="+mn-lt"/>
+                <a:ea typeface="+mn-ea"/>
+                <a:cs typeface="+mn-cs"/>
+                <a:sym typeface="Calibri" panose="020F0502020204030204" pitchFamily="34" charset="0"/>
+              </a:defRPr>
+            </a:lvl3pPr>
+            <a:lvl4pPr marL="1600200" indent="-228600" algn="l" rtl="0" fontAlgn="base">
+              <a:spcBef>
+                <a:spcPct val="20000"/>
+              </a:spcBef>
+              <a:spcAft>
+                <a:spcPct val="0"/>
+              </a:spcAft>
+              <a:buFont typeface="Arial" panose="020B0604020202020204" pitchFamily="34" charset="0"/>
+              <a:buChar char="–"/>
+              <a:defRPr sz="2000" kern="1200">
+                <a:solidFill>
+                  <a:schemeClr val="tx1"/>
+                </a:solidFill>
+                <a:latin typeface="+mn-lt"/>
+                <a:ea typeface="+mn-ea"/>
+                <a:cs typeface="+mn-cs"/>
+                <a:sym typeface="Calibri" panose="020F0502020204030204" pitchFamily="34" charset="0"/>
+              </a:defRPr>
+            </a:lvl4pPr>
+            <a:lvl5pPr marL="2057400" indent="-228600" algn="l" rtl="0" fontAlgn="base">
+              <a:spcBef>
+                <a:spcPct val="20000"/>
+              </a:spcBef>
+              <a:spcAft>
+                <a:spcPct val="0"/>
+              </a:spcAft>
+              <a:buFont typeface="Arial" panose="020B0604020202020204" pitchFamily="34" charset="0"/>
+              <a:buChar char="»"/>
+              <a:defRPr sz="2000" kern="1200">
+                <a:solidFill>
+                  <a:schemeClr val="tx1"/>
+                </a:solidFill>
+                <a:latin typeface="+mn-lt"/>
+                <a:ea typeface="+mn-ea"/>
+                <a:cs typeface="+mn-cs"/>
+                <a:sym typeface="Calibri" panose="020F0502020204030204" pitchFamily="34" charset="0"/>
+              </a:defRPr>
+            </a:lvl5pPr>
+            <a:lvl6pPr marL="2514600" indent="-228600" algn="l" defTabSz="914400" rtl="0" eaLnBrk="1" latinLnBrk="0" hangingPunct="1">
+              <a:lnSpc>
+                <a:spcPct val="90000"/>
+              </a:lnSpc>
+              <a:spcBef>
+                <a:spcPts val="500"/>
+              </a:spcBef>
+              <a:buFont typeface="Arial" panose="020B0604020202020204" pitchFamily="34" charset="0"/>
+              <a:buChar char="•"/>
+              <a:defRPr sz="1800" kern="1200">
+                <a:solidFill>
+                  <a:schemeClr val="tx1"/>
+                </a:solidFill>
+                <a:latin typeface="+mn-lt"/>
+                <a:ea typeface="+mn-ea"/>
+                <a:cs typeface="+mn-cs"/>
+              </a:defRPr>
+            </a:lvl6pPr>
+            <a:lvl7pPr marL="2971800" indent="-228600" algn="l" defTabSz="914400" rtl="0" eaLnBrk="1" latinLnBrk="0" hangingPunct="1">
+              <a:lnSpc>
+                <a:spcPct val="90000"/>
+              </a:lnSpc>
+              <a:spcBef>
+                <a:spcPts val="500"/>
+              </a:spcBef>
+              <a:buFont typeface="Arial" panose="020B0604020202020204" pitchFamily="34" charset="0"/>
+              <a:buChar char="•"/>
+              <a:defRPr sz="1800" kern="1200">
+                <a:solidFill>
+                  <a:schemeClr val="tx1"/>
+                </a:solidFill>
+                <a:latin typeface="+mn-lt"/>
+                <a:ea typeface="+mn-ea"/>
+                <a:cs typeface="+mn-cs"/>
+              </a:defRPr>
+            </a:lvl7pPr>
+            <a:lvl8pPr marL="3429000" indent="-228600" algn="l" defTabSz="914400" rtl="0" eaLnBrk="1" latinLnBrk="0" hangingPunct="1">
+              <a:lnSpc>
+                <a:spcPct val="90000"/>
+              </a:lnSpc>
+              <a:spcBef>
+                <a:spcPts val="500"/>
+              </a:spcBef>
+              <a:buFont typeface="Arial" panose="020B0604020202020204" pitchFamily="34" charset="0"/>
+              <a:buChar char="•"/>
+              <a:defRPr sz="1800" kern="1200">
+                <a:solidFill>
+                  <a:schemeClr val="tx1"/>
+                </a:solidFill>
+                <a:latin typeface="+mn-lt"/>
+                <a:ea typeface="+mn-ea"/>
+                <a:cs typeface="+mn-cs"/>
+              </a:defRPr>
+            </a:lvl8pPr>
+            <a:lvl9pPr marL="3886200" indent="-228600" algn="l" defTabSz="914400" rtl="0" eaLnBrk="1" latinLnBrk="0" hangingPunct="1">
+              <a:lnSpc>
+                <a:spcPct val="90000"/>
+              </a:lnSpc>
+              <a:spcBef>
+                <a:spcPts val="500"/>
+              </a:spcBef>
+              <a:buFont typeface="Arial" panose="020B0604020202020204" pitchFamily="34" charset="0"/>
+              <a:buChar char="•"/>
+              <a:defRPr sz="1800" kern="1200">
+                <a:solidFill>
+                  <a:schemeClr val="tx1"/>
+                </a:solidFill>
+                <a:latin typeface="+mn-lt"/>
+                <a:ea typeface="+mn-ea"/>
+                <a:cs typeface="+mn-cs"/>
+              </a:defRPr>
+            </a:lvl9pPr>
+          </a:lstStyle>
+          <a:p>
+            <a:pPr eaLnBrk="1" hangingPunct="1">
+              <a:lnSpc>
+                <a:spcPct val="150000"/>
+              </a:lnSpc>
+              <a:defRPr/>
+            </a:pPr>
+            <a:r>
+              <a:rPr lang="zh-CN" altLang="en-US" sz="2800" dirty="0">
+                <a:solidFill>
+                  <a:schemeClr val="tx1">
+                    <a:lumMod val="65000"/>
+                    <a:lumOff val="35000"/>
+                  </a:schemeClr>
+                </a:solidFill>
+                <a:latin typeface="微软雅黑 Light" panose="020B0502040204020203" pitchFamily="34" charset="-122"/>
+                <a:ea typeface="微软雅黑 Light" panose="020B0502040204020203" pitchFamily="34" charset="-122"/>
+              </a:rPr>
+              <a:t>计算机图形渲染管线</a:t>
+            </a:r>
+            <a:r>
+              <a:rPr lang="en-US" altLang="zh-CN" sz="2800" dirty="0">
+                <a:solidFill>
+                  <a:schemeClr val="tx1">
+                    <a:lumMod val="65000"/>
+                    <a:lumOff val="35000"/>
+                  </a:schemeClr>
+                </a:solidFill>
+                <a:latin typeface="微软雅黑 Light" panose="020B0502040204020203" pitchFamily="34" charset="-122"/>
+                <a:ea typeface="微软雅黑 Light" panose="020B0502040204020203" pitchFamily="34" charset="-122"/>
+              </a:rPr>
+              <a:t>-</a:t>
+            </a:r>
+            <a:r>
+              <a:rPr lang="zh-CN" altLang="en-US" sz="2800" dirty="0">
+                <a:solidFill>
+                  <a:schemeClr val="tx1">
+                    <a:lumMod val="65000"/>
+                    <a:lumOff val="35000"/>
+                  </a:schemeClr>
+                </a:solidFill>
+                <a:latin typeface="微软雅黑 Light" panose="020B0502040204020203" pitchFamily="34" charset="-122"/>
+                <a:ea typeface="微软雅黑 Light" panose="020B0502040204020203" pitchFamily="34" charset="-122"/>
+              </a:rPr>
+              <a:t>固定管线</a:t>
+            </a:r>
+            <a:endParaRPr lang="en-US" altLang="zh-CN" sz="2800" dirty="0">
+              <a:solidFill>
+                <a:schemeClr val="tx1">
+                  <a:lumMod val="65000"/>
+                  <a:lumOff val="35000"/>
+                </a:schemeClr>
+              </a:solidFill>
+              <a:latin typeface="微软雅黑 Light" panose="020B0502040204020203" pitchFamily="34" charset="-122"/>
+              <a:ea typeface="微软雅黑 Light" panose="020B0502040204020203" pitchFamily="34" charset="-122"/>
+            </a:endParaRPr>
+          </a:p>
+          <a:p>
+            <a:pPr lvl="1" eaLnBrk="1" hangingPunct="1">
+              <a:lnSpc>
+                <a:spcPct val="150000"/>
+              </a:lnSpc>
+              <a:defRPr/>
+            </a:pPr>
+            <a:r>
+              <a:rPr lang="zh-CN" altLang="en-US" sz="2400" dirty="0">
+                <a:solidFill>
+                  <a:schemeClr val="tx1">
+                    <a:lumMod val="65000"/>
+                    <a:lumOff val="35000"/>
+                  </a:schemeClr>
+                </a:solidFill>
+                <a:latin typeface="微软雅黑 Light" panose="020B0502040204020203" pitchFamily="34" charset="-122"/>
+                <a:ea typeface="微软雅黑 Light" panose="020B0502040204020203" pitchFamily="34" charset="-122"/>
+              </a:rPr>
+              <a:t>固定渲染管线的每个阶段</a:t>
+            </a:r>
+            <a:endParaRPr lang="en-US" altLang="zh-CN" sz="2400" dirty="0">
+              <a:solidFill>
+                <a:schemeClr val="tx1">
+                  <a:lumMod val="65000"/>
+                  <a:lumOff val="35000"/>
+                </a:schemeClr>
+              </a:solidFill>
+              <a:latin typeface="微软雅黑 Light" panose="020B0502040204020203" pitchFamily="34" charset="-122"/>
+              <a:ea typeface="微软雅黑 Light" panose="020B0502040204020203" pitchFamily="34" charset="-122"/>
+            </a:endParaRPr>
+          </a:p>
+          <a:p>
+            <a:pPr lvl="1" eaLnBrk="1" hangingPunct="1">
+              <a:lnSpc>
+                <a:spcPct val="150000"/>
+              </a:lnSpc>
+              <a:defRPr/>
+            </a:pPr>
+            <a:r>
+              <a:rPr lang="zh-CN" altLang="en-US" sz="2400" dirty="0">
+                <a:solidFill>
+                  <a:schemeClr val="tx1">
+                    <a:lumMod val="65000"/>
+                    <a:lumOff val="35000"/>
+                  </a:schemeClr>
+                </a:solidFill>
+                <a:latin typeface="微软雅黑 Light" panose="020B0502040204020203" pitchFamily="34" charset="-122"/>
+                <a:ea typeface="微软雅黑 Light" panose="020B0502040204020203" pitchFamily="34" charset="-122"/>
+              </a:rPr>
+              <a:t>以上每个阶段的数学原理</a:t>
+            </a:r>
+            <a:endParaRPr lang="en-US" altLang="zh-CN" sz="2400" dirty="0">
+              <a:solidFill>
+                <a:schemeClr val="tx1">
+                  <a:lumMod val="65000"/>
+                  <a:lumOff val="35000"/>
+                </a:schemeClr>
+              </a:solidFill>
+              <a:latin typeface="微软雅黑 Light" panose="020B0502040204020203" pitchFamily="34" charset="-122"/>
+              <a:ea typeface="微软雅黑 Light" panose="020B0502040204020203" pitchFamily="34" charset="-122"/>
+            </a:endParaRPr>
+          </a:p>
+        </p:txBody>
+      </p:sp>
+    </p:spTree>
+    <p:extLst>
+      <p:ext uri="{BB962C8B-B14F-4D97-AF65-F5344CB8AC3E}">
+        <p14:creationId xmlns:p14="http://schemas.microsoft.com/office/powerpoint/2010/main" val="1282721443"/>
+      </p:ext>
+    </p:extLst>
+  </p:cSld>
+  <p:clrMapOvr>
+    <a:masterClrMapping/>
+  </p:clrMapOvr>
+</p:sld>
+</file>
+
+<file path=ppt/slides/slide7.xml><?xml version="1.0" encoding="utf-8"?>
+<p:sld xmlns:a="http://schemas.openxmlformats.org/drawingml/2006/main" xmlns:r="http://schemas.openxmlformats.org/officeDocument/2006/relationships" xmlns:p="http://schemas.openxmlformats.org/presentationml/2006/main">
+  <p:cSld>
+    <p:spTree>
+      <p:nvGrpSpPr>
+        <p:cNvPr id="1" name=""/>
+        <p:cNvGrpSpPr/>
+        <p:nvPr/>
+      </p:nvGrpSpPr>
+      <p:grpSpPr>
+        <a:xfrm>
+          <a:off x="0" y="0"/>
+          <a:ext cx="0" cy="0"/>
+          <a:chOff x="0" y="0"/>
+          <a:chExt cx="0" cy="0"/>
+        </a:xfrm>
+      </p:grpSpPr>
+      <p:pic>
+        <p:nvPicPr>
+          <p:cNvPr id="9218" name="Picture 2">
+            <a:extLst>
+              <a:ext uri="{FF2B5EF4-FFF2-40B4-BE49-F238E27FC236}">
+                <a16:creationId xmlns:a16="http://schemas.microsoft.com/office/drawing/2014/main" id="{F136285C-80DA-430D-BDBA-06FE759B3871}"/>
+              </a:ext>
+            </a:extLst>
+          </p:cNvPr>
+          <p:cNvPicPr>
+            <a:picLocks noChangeAspect="1" noChangeArrowheads="1"/>
+          </p:cNvPicPr>
+          <p:nvPr/>
+        </p:nvPicPr>
+        <p:blipFill>
+          <a:blip r:embed="rId2">
+            <a:extLst>
+              <a:ext uri="{28A0092B-C50C-407E-A947-70E740481C1C}">
+                <a14:useLocalDpi xmlns:a14="http://schemas.microsoft.com/office/drawing/2010/main" val="0"/>
+              </a:ext>
+            </a:extLst>
+          </a:blip>
+          <a:srcRect/>
+          <a:stretch>
+            <a:fillRect/>
+          </a:stretch>
+        </p:blipFill>
+        <p:spPr bwMode="auto">
+          <a:xfrm>
+            <a:off x="7956550" y="4606925"/>
+            <a:ext cx="1081088" cy="450850"/>
+          </a:xfrm>
+          <a:prstGeom prst="rect">
+            <a:avLst/>
+          </a:prstGeom>
+          <a:noFill/>
+          <a:ln>
+            <a:noFill/>
+          </a:ln>
+          <a:effectLst/>
+          <a:extLst>
+            <a:ext uri="{909E8E84-426E-40DD-AFC4-6F175D3DCCD1}">
+              <a14:hiddenFill xmlns:a14="http://schemas.microsoft.com/office/drawing/2010/main">
+                <a:solidFill>
+                  <a:srgbClr val="FFFFFF"/>
+                </a:solidFill>
+              </a14:hiddenFill>
+            </a:ext>
+            <a:ext uri="{91240B29-F687-4F45-9708-019B960494DF}">
+              <a14:hiddenLine xmlns:a14="http://schemas.microsoft.com/office/drawing/2010/main" w="9525">
+                <a:solidFill>
+                  <a:srgbClr val="000000"/>
+                </a:solidFill>
+                <a:miter lim="800000"/>
+                <a:headEnd/>
+                <a:tailEnd/>
+              </a14:hiddenLine>
+            </a:ext>
+            <a:ext uri="{AF507438-7753-43E0-B8FC-AC1667EBCBE1}">
+              <a14:hiddenEffects xmlns:a14="http://schemas.microsoft.com/office/drawing/2010/main">
+                <a:effectLst>
+                  <a:outerShdw dist="35921" dir="2700000" algn="ctr" rotWithShape="0">
+                    <a:srgbClr val="808080"/>
+                  </a:outerShdw>
+                </a:effectLst>
+              </a14:hiddenEffects>
+            </a:ext>
+          </a:extLst>
+        </p:spPr>
+      </p:pic>
+      <p:sp>
+        <p:nvSpPr>
+          <p:cNvPr id="9219" name="Title 1">
+            <a:extLst>
+              <a:ext uri="{FF2B5EF4-FFF2-40B4-BE49-F238E27FC236}">
+                <a16:creationId xmlns:a16="http://schemas.microsoft.com/office/drawing/2014/main" id="{8E500A20-6A5A-42DC-82C7-AAB2920276C8}"/>
+              </a:ext>
+            </a:extLst>
+          </p:cNvPr>
+          <p:cNvSpPr>
+            <a:spLocks noGrp="1" noChangeArrowheads="1"/>
+          </p:cNvSpPr>
+          <p:nvPr>
+            <p:ph type="title"/>
+          </p:nvPr>
+        </p:nvSpPr>
+        <p:spPr bwMode="auto">
+          <a:xfrm>
+            <a:off x="609600" y="276225"/>
+            <a:ext cx="8229600" cy="711200"/>
+          </a:xfrm>
+          <a:noFill/>
+          <a:extLst>
+            <a:ext uri="{909E8E84-426E-40DD-AFC4-6F175D3DCCD1}">
+              <a14:hiddenFill xmlns:a14="http://schemas.microsoft.com/office/drawing/2010/main">
+                <a:solidFill>
+                  <a:srgbClr val="FFFFFF"/>
+                </a:solidFill>
+              </a14:hiddenFill>
+            </a:ext>
+            <a:ext uri="{91240B29-F687-4F45-9708-019B960494DF}">
+              <a14:hiddenLine xmlns:a14="http://schemas.microsoft.com/office/drawing/2010/main" w="9525">
+                <a:solidFill>
+                  <a:srgbClr val="000000"/>
+                </a:solidFill>
+                <a:miter lim="800000"/>
+                <a:headEnd/>
+                <a:tailEnd/>
+              </a14:hiddenLine>
+            </a:ext>
+          </a:extLst>
+        </p:spPr>
+        <p:txBody>
+          <a:bodyPr vert="horz" wrap="square" lIns="91440" tIns="45720" rIns="91440" bIns="45720" numCol="1" anchor="t" anchorCtr="0" compatLnSpc="1">
+            <a:prstTxWarp prst="textNoShape">
+              <a:avLst/>
+            </a:prstTxWarp>
+          </a:bodyPr>
+          <a:lstStyle/>
+          <a:p>
+            <a:pPr algn="l" eaLnBrk="1" hangingPunct="1"/>
+            <a:r>
+              <a:rPr lang="zh-CN" altLang="en-US">
+                <a:solidFill>
+                  <a:srgbClr val="C00000"/>
+                </a:solidFill>
+                <a:latin typeface="微软雅黑 Light" panose="020B0502040204020203" pitchFamily="34" charset="-122"/>
+                <a:ea typeface="微软雅黑 Light" panose="020B0502040204020203" pitchFamily="34" charset="-122"/>
+              </a:rPr>
+              <a:t>课程说明</a:t>
+            </a:r>
+            <a:endParaRPr lang="en-US" altLang="zh-CN">
+              <a:solidFill>
+                <a:srgbClr val="C00000"/>
+              </a:solidFill>
+              <a:latin typeface="微软雅黑 Light" panose="020B0502040204020203" pitchFamily="34" charset="-122"/>
+              <a:ea typeface="微软雅黑 Light" panose="020B0502040204020203" pitchFamily="34" charset="-122"/>
+            </a:endParaRPr>
+          </a:p>
+        </p:txBody>
+      </p:sp>
+      <p:sp>
+        <p:nvSpPr>
+          <p:cNvPr id="4" name="Content Placeholder 3">
+            <a:extLst>
+              <a:ext uri="{FF2B5EF4-FFF2-40B4-BE49-F238E27FC236}">
+                <a16:creationId xmlns:a16="http://schemas.microsoft.com/office/drawing/2014/main" id="{F89B818C-8C23-4AB3-931D-1B3759EFC22A}"/>
+              </a:ext>
+            </a:extLst>
+          </p:cNvPr>
+          <p:cNvSpPr txBox="1">
+            <a:spLocks/>
+          </p:cNvSpPr>
+          <p:nvPr/>
+        </p:nvSpPr>
+        <p:spPr>
+          <a:xfrm>
+            <a:off x="609600" y="1284288"/>
+            <a:ext cx="8229600" cy="3925887"/>
+          </a:xfrm>
+          <a:prstGeom prst="rect">
+            <a:avLst/>
+          </a:prstGeom>
+        </p:spPr>
+        <p:txBody>
+          <a:bodyPr/>
+          <a:lstStyle>
+            <a:lvl1pPr marL="342900" indent="-342900" algn="l" rtl="0" fontAlgn="base">
+              <a:spcBef>
+                <a:spcPct val="20000"/>
+              </a:spcBef>
+              <a:spcAft>
+                <a:spcPct val="0"/>
+              </a:spcAft>
+              <a:buFont typeface="Arial" panose="020B0604020202020204" pitchFamily="34" charset="0"/>
+              <a:buChar char="•"/>
+              <a:defRPr sz="3200" kern="1200">
+                <a:solidFill>
+                  <a:schemeClr val="tx1"/>
+                </a:solidFill>
+                <a:latin typeface="+mn-lt"/>
+                <a:ea typeface="+mn-ea"/>
+                <a:cs typeface="+mn-cs"/>
+                <a:sym typeface="Calibri" panose="020F0502020204030204" pitchFamily="34" charset="0"/>
+              </a:defRPr>
+            </a:lvl1pPr>
+            <a:lvl2pPr marL="742950" indent="-285750" algn="l" rtl="0" fontAlgn="base">
+              <a:spcBef>
+                <a:spcPct val="20000"/>
+              </a:spcBef>
+              <a:spcAft>
+                <a:spcPct val="0"/>
+              </a:spcAft>
+              <a:buFont typeface="Arial" panose="020B0604020202020204" pitchFamily="34" charset="0"/>
+              <a:buChar char="–"/>
+              <a:defRPr sz="2800" kern="1200">
+                <a:solidFill>
+                  <a:schemeClr val="tx1"/>
+                </a:solidFill>
+                <a:latin typeface="+mn-lt"/>
+                <a:ea typeface="+mn-ea"/>
+                <a:cs typeface="+mn-cs"/>
+                <a:sym typeface="Calibri" panose="020F0502020204030204" pitchFamily="34" charset="0"/>
+              </a:defRPr>
+            </a:lvl2pPr>
+            <a:lvl3pPr marL="1143000" indent="-228600" algn="l" rtl="0" fontAlgn="base">
+              <a:spcBef>
+                <a:spcPct val="20000"/>
+              </a:spcBef>
+              <a:spcAft>
+                <a:spcPct val="0"/>
+              </a:spcAft>
+              <a:buFont typeface="Arial" panose="020B0604020202020204" pitchFamily="34" charset="0"/>
+              <a:buChar char="•"/>
+              <a:defRPr sz="2400" kern="1200">
+                <a:solidFill>
+                  <a:schemeClr val="tx1"/>
+                </a:solidFill>
+                <a:latin typeface="+mn-lt"/>
+                <a:ea typeface="+mn-ea"/>
+                <a:cs typeface="+mn-cs"/>
+                <a:sym typeface="Calibri" panose="020F0502020204030204" pitchFamily="34" charset="0"/>
+              </a:defRPr>
+            </a:lvl3pPr>
+            <a:lvl4pPr marL="1600200" indent="-228600" algn="l" rtl="0" fontAlgn="base">
+              <a:spcBef>
+                <a:spcPct val="20000"/>
+              </a:spcBef>
+              <a:spcAft>
+                <a:spcPct val="0"/>
+              </a:spcAft>
+              <a:buFont typeface="Arial" panose="020B0604020202020204" pitchFamily="34" charset="0"/>
+              <a:buChar char="–"/>
+              <a:defRPr sz="2000" kern="1200">
+                <a:solidFill>
+                  <a:schemeClr val="tx1"/>
+                </a:solidFill>
+                <a:latin typeface="+mn-lt"/>
+                <a:ea typeface="+mn-ea"/>
+                <a:cs typeface="+mn-cs"/>
+                <a:sym typeface="Calibri" panose="020F0502020204030204" pitchFamily="34" charset="0"/>
+              </a:defRPr>
+            </a:lvl4pPr>
+            <a:lvl5pPr marL="2057400" indent="-228600" algn="l" rtl="0" fontAlgn="base">
+              <a:spcBef>
+                <a:spcPct val="20000"/>
+              </a:spcBef>
+              <a:spcAft>
+                <a:spcPct val="0"/>
+              </a:spcAft>
+              <a:buFont typeface="Arial" panose="020B0604020202020204" pitchFamily="34" charset="0"/>
+              <a:buChar char="»"/>
+              <a:defRPr sz="2000" kern="1200">
+                <a:solidFill>
+                  <a:schemeClr val="tx1"/>
+                </a:solidFill>
+                <a:latin typeface="+mn-lt"/>
+                <a:ea typeface="+mn-ea"/>
+                <a:cs typeface="+mn-cs"/>
+                <a:sym typeface="Calibri" panose="020F0502020204030204" pitchFamily="34" charset="0"/>
+              </a:defRPr>
+            </a:lvl5pPr>
+            <a:lvl6pPr marL="2514600" indent="-228600" algn="l" defTabSz="914400" rtl="0" eaLnBrk="1" latinLnBrk="0" hangingPunct="1">
+              <a:lnSpc>
+                <a:spcPct val="90000"/>
+              </a:lnSpc>
+              <a:spcBef>
+                <a:spcPts val="500"/>
+              </a:spcBef>
+              <a:buFont typeface="Arial" panose="020B0604020202020204" pitchFamily="34" charset="0"/>
+              <a:buChar char="•"/>
+              <a:defRPr sz="1800" kern="1200">
+                <a:solidFill>
+                  <a:schemeClr val="tx1"/>
+                </a:solidFill>
+                <a:latin typeface="+mn-lt"/>
+                <a:ea typeface="+mn-ea"/>
+                <a:cs typeface="+mn-cs"/>
+              </a:defRPr>
+            </a:lvl6pPr>
+            <a:lvl7pPr marL="2971800" indent="-228600" algn="l" defTabSz="914400" rtl="0" eaLnBrk="1" latinLnBrk="0" hangingPunct="1">
+              <a:lnSpc>
+                <a:spcPct val="90000"/>
+              </a:lnSpc>
+              <a:spcBef>
+                <a:spcPts val="500"/>
+              </a:spcBef>
+              <a:buFont typeface="Arial" panose="020B0604020202020204" pitchFamily="34" charset="0"/>
+              <a:buChar char="•"/>
+              <a:defRPr sz="1800" kern="1200">
+                <a:solidFill>
+                  <a:schemeClr val="tx1"/>
+                </a:solidFill>
+                <a:latin typeface="+mn-lt"/>
+                <a:ea typeface="+mn-ea"/>
+                <a:cs typeface="+mn-cs"/>
+              </a:defRPr>
+            </a:lvl7pPr>
+            <a:lvl8pPr marL="3429000" indent="-228600" algn="l" defTabSz="914400" rtl="0" eaLnBrk="1" latinLnBrk="0" hangingPunct="1">
+              <a:lnSpc>
+                <a:spcPct val="90000"/>
+              </a:lnSpc>
+              <a:spcBef>
+                <a:spcPts val="500"/>
+              </a:spcBef>
+              <a:buFont typeface="Arial" panose="020B0604020202020204" pitchFamily="34" charset="0"/>
+              <a:buChar char="•"/>
+              <a:defRPr sz="1800" kern="1200">
+                <a:solidFill>
+                  <a:schemeClr val="tx1"/>
+                </a:solidFill>
+                <a:latin typeface="+mn-lt"/>
+                <a:ea typeface="+mn-ea"/>
+                <a:cs typeface="+mn-cs"/>
+              </a:defRPr>
+            </a:lvl8pPr>
+            <a:lvl9pPr marL="3886200" indent="-228600" algn="l" defTabSz="914400" rtl="0" eaLnBrk="1" latinLnBrk="0" hangingPunct="1">
+              <a:lnSpc>
+                <a:spcPct val="90000"/>
+              </a:lnSpc>
+              <a:spcBef>
+                <a:spcPts val="500"/>
+              </a:spcBef>
+              <a:buFont typeface="Arial" panose="020B0604020202020204" pitchFamily="34" charset="0"/>
+              <a:buChar char="•"/>
+              <a:defRPr sz="1800" kern="1200">
+                <a:solidFill>
+                  <a:schemeClr val="tx1"/>
+                </a:solidFill>
+                <a:latin typeface="+mn-lt"/>
+                <a:ea typeface="+mn-ea"/>
+                <a:cs typeface="+mn-cs"/>
+              </a:defRPr>
+            </a:lvl9pPr>
+          </a:lstStyle>
+          <a:p>
+            <a:pPr eaLnBrk="1" hangingPunct="1">
+              <a:lnSpc>
+                <a:spcPct val="150000"/>
+              </a:lnSpc>
+              <a:defRPr/>
+            </a:pPr>
+            <a:r>
+              <a:rPr lang="zh-CN" altLang="en-US" sz="2800" dirty="0">
+                <a:solidFill>
+                  <a:schemeClr val="tx1">
+                    <a:lumMod val="65000"/>
+                    <a:lumOff val="35000"/>
+                  </a:schemeClr>
+                </a:solidFill>
+                <a:latin typeface="微软雅黑 Light" panose="020B0502040204020203" pitchFamily="34" charset="-122"/>
+                <a:ea typeface="微软雅黑 Light" panose="020B0502040204020203" pitchFamily="34" charset="-122"/>
+              </a:rPr>
+              <a:t>计算机图形渲染管线</a:t>
+            </a:r>
+            <a:r>
+              <a:rPr lang="en-US" altLang="zh-CN" sz="2800" dirty="0">
+                <a:solidFill>
+                  <a:schemeClr val="tx1">
+                    <a:lumMod val="65000"/>
+                    <a:lumOff val="35000"/>
+                  </a:schemeClr>
+                </a:solidFill>
+                <a:latin typeface="微软雅黑 Light" panose="020B0502040204020203" pitchFamily="34" charset="-122"/>
+                <a:ea typeface="微软雅黑 Light" panose="020B0502040204020203" pitchFamily="34" charset="-122"/>
+              </a:rPr>
+              <a:t>-</a:t>
+            </a:r>
+            <a:r>
+              <a:rPr lang="zh-CN" altLang="en-US" sz="2800" dirty="0">
+                <a:solidFill>
+                  <a:schemeClr val="tx1">
+                    <a:lumMod val="65000"/>
+                    <a:lumOff val="35000"/>
+                  </a:schemeClr>
+                </a:solidFill>
+                <a:latin typeface="微软雅黑 Light" panose="020B0502040204020203" pitchFamily="34" charset="-122"/>
+                <a:ea typeface="微软雅黑 Light" panose="020B0502040204020203" pitchFamily="34" charset="-122"/>
+              </a:rPr>
+              <a:t>固定管线</a:t>
+            </a:r>
+            <a:endParaRPr lang="en-US" altLang="zh-CN" sz="2800" dirty="0">
+              <a:solidFill>
+                <a:schemeClr val="tx1">
+                  <a:lumMod val="65000"/>
+                  <a:lumOff val="35000"/>
+                </a:schemeClr>
+              </a:solidFill>
+              <a:latin typeface="微软雅黑 Light" panose="020B0502040204020203" pitchFamily="34" charset="-122"/>
+              <a:ea typeface="微软雅黑 Light" panose="020B0502040204020203" pitchFamily="34" charset="-122"/>
+            </a:endParaRPr>
+          </a:p>
+          <a:p>
+            <a:pPr lvl="1" eaLnBrk="1" hangingPunct="1">
+              <a:lnSpc>
+                <a:spcPct val="150000"/>
+              </a:lnSpc>
+              <a:defRPr/>
+            </a:pPr>
+            <a:r>
+              <a:rPr lang="zh-CN" altLang="en-US" sz="2400" dirty="0">
+                <a:solidFill>
+                  <a:schemeClr val="tx1">
+                    <a:lumMod val="65000"/>
+                    <a:lumOff val="35000"/>
+                  </a:schemeClr>
+                </a:solidFill>
+                <a:latin typeface="微软雅黑 Light" panose="020B0502040204020203" pitchFamily="34" charset="-122"/>
+                <a:ea typeface="微软雅黑 Light" panose="020B0502040204020203" pitchFamily="34" charset="-122"/>
+              </a:rPr>
+              <a:t>固定渲染管线的每个阶段</a:t>
+            </a:r>
+            <a:endParaRPr lang="en-US" altLang="zh-CN" sz="2400" dirty="0">
+              <a:solidFill>
+                <a:schemeClr val="tx1">
+                  <a:lumMod val="65000"/>
+                  <a:lumOff val="35000"/>
+                </a:schemeClr>
+              </a:solidFill>
+              <a:latin typeface="微软雅黑 Light" panose="020B0502040204020203" pitchFamily="34" charset="-122"/>
+              <a:ea typeface="微软雅黑 Light" panose="020B0502040204020203" pitchFamily="34" charset="-122"/>
+            </a:endParaRPr>
+          </a:p>
+          <a:p>
+            <a:pPr lvl="1" eaLnBrk="1" hangingPunct="1">
+              <a:lnSpc>
+                <a:spcPct val="150000"/>
+              </a:lnSpc>
+              <a:defRPr/>
+            </a:pPr>
+            <a:r>
+              <a:rPr lang="zh-CN" altLang="en-US" sz="2400" dirty="0">
+                <a:solidFill>
+                  <a:schemeClr val="tx1">
+                    <a:lumMod val="65000"/>
+                    <a:lumOff val="35000"/>
+                  </a:schemeClr>
+                </a:solidFill>
+                <a:latin typeface="微软雅黑 Light" panose="020B0502040204020203" pitchFamily="34" charset="-122"/>
+                <a:ea typeface="微软雅黑 Light" panose="020B0502040204020203" pitchFamily="34" charset="-122"/>
+              </a:rPr>
+              <a:t>以上每个阶段的数学原理</a:t>
+            </a:r>
+            <a:endParaRPr lang="en-US" altLang="zh-CN" sz="2400" dirty="0">
+              <a:solidFill>
+                <a:schemeClr val="tx1">
+                  <a:lumMod val="65000"/>
+                  <a:lumOff val="35000"/>
+                </a:schemeClr>
+              </a:solidFill>
+              <a:latin typeface="微软雅黑 Light" panose="020B0502040204020203" pitchFamily="34" charset="-122"/>
+              <a:ea typeface="微软雅黑 Light" panose="020B0502040204020203" pitchFamily="34" charset="-122"/>
+            </a:endParaRPr>
+          </a:p>
+          <a:p>
+            <a:pPr lvl="1" eaLnBrk="1" hangingPunct="1">
+              <a:lnSpc>
+                <a:spcPct val="150000"/>
+              </a:lnSpc>
+              <a:defRPr/>
+            </a:pPr>
+            <a:r>
+              <a:rPr lang="zh-CN" altLang="en-US" sz="2400" dirty="0">
+                <a:solidFill>
+                  <a:schemeClr val="tx1">
+                    <a:lumMod val="65000"/>
+                    <a:lumOff val="35000"/>
+                  </a:schemeClr>
+                </a:solidFill>
+                <a:latin typeface="微软雅黑 Light" panose="020B0502040204020203" pitchFamily="34" charset="-122"/>
+                <a:ea typeface="微软雅黑 Light" panose="020B0502040204020203" pitchFamily="34" charset="-122"/>
+              </a:rPr>
+              <a:t>讲解</a:t>
+            </a:r>
+            <a:r>
+              <a:rPr lang="en-US" altLang="zh-CN" sz="2400" dirty="0">
+                <a:solidFill>
+                  <a:schemeClr val="tx1">
+                    <a:lumMod val="65000"/>
+                    <a:lumOff val="35000"/>
+                  </a:schemeClr>
+                </a:solidFill>
+                <a:latin typeface="微软雅黑 Light" panose="020B0502040204020203" pitchFamily="34" charset="-122"/>
+                <a:ea typeface="微软雅黑 Light" panose="020B0502040204020203" pitchFamily="34" charset="-122"/>
+              </a:rPr>
+              <a:t>OpenGL</a:t>
+            </a:r>
+            <a:r>
+              <a:rPr lang="zh-CN" altLang="en-US" sz="2400" dirty="0">
+                <a:solidFill>
+                  <a:schemeClr val="tx1">
+                    <a:lumMod val="65000"/>
+                    <a:lumOff val="35000"/>
+                  </a:schemeClr>
+                </a:solidFill>
+                <a:latin typeface="微软雅黑 Light" panose="020B0502040204020203" pitchFamily="34" charset="-122"/>
+                <a:ea typeface="微软雅黑 Light" panose="020B0502040204020203" pitchFamily="34" charset="-122"/>
+              </a:rPr>
+              <a:t>中固定管线</a:t>
+            </a:r>
+          </a:p>
+        </p:txBody>
+      </p:sp>
+    </p:spTree>
+    <p:extLst>
+      <p:ext uri="{BB962C8B-B14F-4D97-AF65-F5344CB8AC3E}">
+        <p14:creationId xmlns:p14="http://schemas.microsoft.com/office/powerpoint/2010/main" val="2520483318"/>
+      </p:ext>
+    </p:extLst>
+  </p:cSld>
+  <p:clrMapOvr>
+    <a:masterClrMapping/>
+  </p:clrMapOvr>
+</p:sld>
+</file>
+
+<file path=ppt/slides/slide8.xml><?xml version="1.0" encoding="utf-8"?>
+<p:sld xmlns:a="http://schemas.openxmlformats.org/drawingml/2006/main" xmlns:r="http://schemas.openxmlformats.org/officeDocument/2006/relationships" xmlns:p="http://schemas.openxmlformats.org/presentationml/2006/main">
+  <p:cSld>
+    <p:spTree>
+      <p:nvGrpSpPr>
+        <p:cNvPr id="1" name=""/>
+        <p:cNvGrpSpPr/>
+        <p:nvPr/>
+      </p:nvGrpSpPr>
+      <p:grpSpPr>
+        <a:xfrm>
+          <a:off x="0" y="0"/>
+          <a:ext cx="0" cy="0"/>
+          <a:chOff x="0" y="0"/>
+          <a:chExt cx="0" cy="0"/>
+        </a:xfrm>
+      </p:grpSpPr>
+      <p:pic>
+        <p:nvPicPr>
+          <p:cNvPr id="9218" name="Picture 2">
+            <a:extLst>
+              <a:ext uri="{FF2B5EF4-FFF2-40B4-BE49-F238E27FC236}">
+                <a16:creationId xmlns:a16="http://schemas.microsoft.com/office/drawing/2014/main" id="{F136285C-80DA-430D-BDBA-06FE759B3871}"/>
+              </a:ext>
+            </a:extLst>
+          </p:cNvPr>
+          <p:cNvPicPr>
+            <a:picLocks noChangeAspect="1" noChangeArrowheads="1"/>
+          </p:cNvPicPr>
+          <p:nvPr/>
+        </p:nvPicPr>
+        <p:blipFill>
+          <a:blip r:embed="rId2">
+            <a:extLst>
+              <a:ext uri="{28A0092B-C50C-407E-A947-70E740481C1C}">
+                <a14:useLocalDpi xmlns:a14="http://schemas.microsoft.com/office/drawing/2010/main" val="0"/>
+              </a:ext>
+            </a:extLst>
+          </a:blip>
+          <a:srcRect/>
+          <a:stretch>
+            <a:fillRect/>
+          </a:stretch>
+        </p:blipFill>
+        <p:spPr bwMode="auto">
+          <a:xfrm>
+            <a:off x="7956550" y="4606925"/>
+            <a:ext cx="1081088" cy="450850"/>
+          </a:xfrm>
+          <a:prstGeom prst="rect">
+            <a:avLst/>
+          </a:prstGeom>
+          <a:noFill/>
+          <a:ln>
+            <a:noFill/>
+          </a:ln>
+          <a:effectLst/>
+          <a:extLst>
+            <a:ext uri="{909E8E84-426E-40DD-AFC4-6F175D3DCCD1}">
+              <a14:hiddenFill xmlns:a14="http://schemas.microsoft.com/office/drawing/2010/main">
+                <a:solidFill>
+                  <a:srgbClr val="FFFFFF"/>
+                </a:solidFill>
+              </a14:hiddenFill>
+            </a:ext>
+            <a:ext uri="{91240B29-F687-4F45-9708-019B960494DF}">
+              <a14:hiddenLine xmlns:a14="http://schemas.microsoft.com/office/drawing/2010/main" w="9525">
+                <a:solidFill>
+                  <a:srgbClr val="000000"/>
+                </a:solidFill>
+                <a:miter lim="800000"/>
+                <a:headEnd/>
+                <a:tailEnd/>
+              </a14:hiddenLine>
+            </a:ext>
+            <a:ext uri="{AF507438-7753-43E0-B8FC-AC1667EBCBE1}">
+              <a14:hiddenEffects xmlns:a14="http://schemas.microsoft.com/office/drawing/2010/main">
+                <a:effectLst>
+                  <a:outerShdw dist="35921" dir="2700000" algn="ctr" rotWithShape="0">
+                    <a:srgbClr val="808080"/>
+                  </a:outerShdw>
+                </a:effectLst>
+              </a14:hiddenEffects>
+            </a:ext>
+          </a:extLst>
+        </p:spPr>
+      </p:pic>
+      <p:sp>
+        <p:nvSpPr>
+          <p:cNvPr id="9219" name="Title 1">
+            <a:extLst>
+              <a:ext uri="{FF2B5EF4-FFF2-40B4-BE49-F238E27FC236}">
+                <a16:creationId xmlns:a16="http://schemas.microsoft.com/office/drawing/2014/main" id="{8E500A20-6A5A-42DC-82C7-AAB2920276C8}"/>
+              </a:ext>
+            </a:extLst>
+          </p:cNvPr>
+          <p:cNvSpPr>
+            <a:spLocks noGrp="1" noChangeArrowheads="1"/>
+          </p:cNvSpPr>
+          <p:nvPr>
+            <p:ph type="title"/>
+          </p:nvPr>
+        </p:nvSpPr>
+        <p:spPr bwMode="auto">
+          <a:xfrm>
+            <a:off x="609600" y="276225"/>
+            <a:ext cx="8229600" cy="711200"/>
+          </a:xfrm>
+          <a:noFill/>
+          <a:extLst>
+            <a:ext uri="{909E8E84-426E-40DD-AFC4-6F175D3DCCD1}">
+              <a14:hiddenFill xmlns:a14="http://schemas.microsoft.com/office/drawing/2010/main">
+                <a:solidFill>
+                  <a:srgbClr val="FFFFFF"/>
+                </a:solidFill>
+              </a14:hiddenFill>
+            </a:ext>
+            <a:ext uri="{91240B29-F687-4F45-9708-019B960494DF}">
+              <a14:hiddenLine xmlns:a14="http://schemas.microsoft.com/office/drawing/2010/main" w="9525">
+                <a:solidFill>
+                  <a:srgbClr val="000000"/>
+                </a:solidFill>
+                <a:miter lim="800000"/>
+                <a:headEnd/>
+                <a:tailEnd/>
+              </a14:hiddenLine>
+            </a:ext>
+          </a:extLst>
+        </p:spPr>
+        <p:txBody>
+          <a:bodyPr vert="horz" wrap="square" lIns="91440" tIns="45720" rIns="91440" bIns="45720" numCol="1" anchor="t" anchorCtr="0" compatLnSpc="1">
+            <a:prstTxWarp prst="textNoShape">
+              <a:avLst/>
+            </a:prstTxWarp>
+          </a:bodyPr>
+          <a:lstStyle/>
+          <a:p>
+            <a:pPr algn="l" eaLnBrk="1" hangingPunct="1"/>
+            <a:r>
+              <a:rPr lang="zh-CN" altLang="en-US">
+                <a:solidFill>
+                  <a:srgbClr val="C00000"/>
+                </a:solidFill>
+                <a:latin typeface="微软雅黑 Light" panose="020B0502040204020203" pitchFamily="34" charset="-122"/>
+                <a:ea typeface="微软雅黑 Light" panose="020B0502040204020203" pitchFamily="34" charset="-122"/>
+              </a:rPr>
+              <a:t>课程说明</a:t>
+            </a:r>
+            <a:endParaRPr lang="en-US" altLang="zh-CN">
+              <a:solidFill>
+                <a:srgbClr val="C00000"/>
+              </a:solidFill>
+              <a:latin typeface="微软雅黑 Light" panose="020B0502040204020203" pitchFamily="34" charset="-122"/>
+              <a:ea typeface="微软雅黑 Light" panose="020B0502040204020203" pitchFamily="34" charset="-122"/>
+            </a:endParaRPr>
+          </a:p>
+        </p:txBody>
+      </p:sp>
+      <p:sp>
+        <p:nvSpPr>
+          <p:cNvPr id="4" name="Content Placeholder 3">
+            <a:extLst>
+              <a:ext uri="{FF2B5EF4-FFF2-40B4-BE49-F238E27FC236}">
+                <a16:creationId xmlns:a16="http://schemas.microsoft.com/office/drawing/2014/main" id="{F89B818C-8C23-4AB3-931D-1B3759EFC22A}"/>
+              </a:ext>
+            </a:extLst>
+          </p:cNvPr>
+          <p:cNvSpPr txBox="1">
+            <a:spLocks/>
+          </p:cNvSpPr>
+          <p:nvPr/>
+        </p:nvSpPr>
+        <p:spPr>
+          <a:xfrm>
+            <a:off x="609600" y="1284288"/>
+            <a:ext cx="8229600" cy="3925887"/>
+          </a:xfrm>
+          <a:prstGeom prst="rect">
+            <a:avLst/>
+          </a:prstGeom>
+        </p:spPr>
+        <p:txBody>
+          <a:bodyPr/>
+          <a:lstStyle>
+            <a:lvl1pPr marL="342900" indent="-342900" algn="l" rtl="0" fontAlgn="base">
+              <a:spcBef>
+                <a:spcPct val="20000"/>
+              </a:spcBef>
+              <a:spcAft>
+                <a:spcPct val="0"/>
+              </a:spcAft>
+              <a:buFont typeface="Arial" panose="020B0604020202020204" pitchFamily="34" charset="0"/>
+              <a:buChar char="•"/>
+              <a:defRPr sz="3200" kern="1200">
+                <a:solidFill>
+                  <a:schemeClr val="tx1"/>
+                </a:solidFill>
+                <a:latin typeface="+mn-lt"/>
+                <a:ea typeface="+mn-ea"/>
+                <a:cs typeface="+mn-cs"/>
+                <a:sym typeface="Calibri" panose="020F0502020204030204" pitchFamily="34" charset="0"/>
+              </a:defRPr>
+            </a:lvl1pPr>
+            <a:lvl2pPr marL="742950" indent="-285750" algn="l" rtl="0" fontAlgn="base">
+              <a:spcBef>
+                <a:spcPct val="20000"/>
+              </a:spcBef>
+              <a:spcAft>
+                <a:spcPct val="0"/>
+              </a:spcAft>
+              <a:buFont typeface="Arial" panose="020B0604020202020204" pitchFamily="34" charset="0"/>
+              <a:buChar char="–"/>
+              <a:defRPr sz="2800" kern="1200">
+                <a:solidFill>
+                  <a:schemeClr val="tx1"/>
+                </a:solidFill>
+                <a:latin typeface="+mn-lt"/>
+                <a:ea typeface="+mn-ea"/>
+                <a:cs typeface="+mn-cs"/>
+                <a:sym typeface="Calibri" panose="020F0502020204030204" pitchFamily="34" charset="0"/>
+              </a:defRPr>
+            </a:lvl2pPr>
+            <a:lvl3pPr marL="1143000" indent="-228600" algn="l" rtl="0" fontAlgn="base">
+              <a:spcBef>
+                <a:spcPct val="20000"/>
+              </a:spcBef>
+              <a:spcAft>
+                <a:spcPct val="0"/>
+              </a:spcAft>
+              <a:buFont typeface="Arial" panose="020B0604020202020204" pitchFamily="34" charset="0"/>
+              <a:buChar char="•"/>
+              <a:defRPr sz="2400" kern="1200">
+                <a:solidFill>
+                  <a:schemeClr val="tx1"/>
+                </a:solidFill>
+                <a:latin typeface="+mn-lt"/>
+                <a:ea typeface="+mn-ea"/>
+                <a:cs typeface="+mn-cs"/>
+                <a:sym typeface="Calibri" panose="020F0502020204030204" pitchFamily="34" charset="0"/>
+              </a:defRPr>
+            </a:lvl3pPr>
+            <a:lvl4pPr marL="1600200" indent="-228600" algn="l" rtl="0" fontAlgn="base">
+              <a:spcBef>
+                <a:spcPct val="20000"/>
+              </a:spcBef>
+              <a:spcAft>
+                <a:spcPct val="0"/>
+              </a:spcAft>
+              <a:buFont typeface="Arial" panose="020B0604020202020204" pitchFamily="34" charset="0"/>
+              <a:buChar char="–"/>
+              <a:defRPr sz="2000" kern="1200">
+                <a:solidFill>
+                  <a:schemeClr val="tx1"/>
+                </a:solidFill>
+                <a:latin typeface="+mn-lt"/>
+                <a:ea typeface="+mn-ea"/>
+                <a:cs typeface="+mn-cs"/>
+                <a:sym typeface="Calibri" panose="020F0502020204030204" pitchFamily="34" charset="0"/>
+              </a:defRPr>
+            </a:lvl4pPr>
+            <a:lvl5pPr marL="2057400" indent="-228600" algn="l" rtl="0" fontAlgn="base">
+              <a:spcBef>
+                <a:spcPct val="20000"/>
+              </a:spcBef>
+              <a:spcAft>
+                <a:spcPct val="0"/>
+              </a:spcAft>
+              <a:buFont typeface="Arial" panose="020B0604020202020204" pitchFamily="34" charset="0"/>
+              <a:buChar char="»"/>
+              <a:defRPr sz="2000" kern="1200">
+                <a:solidFill>
+                  <a:schemeClr val="tx1"/>
+                </a:solidFill>
+                <a:latin typeface="+mn-lt"/>
+                <a:ea typeface="+mn-ea"/>
+                <a:cs typeface="+mn-cs"/>
+                <a:sym typeface="Calibri" panose="020F0502020204030204" pitchFamily="34" charset="0"/>
+              </a:defRPr>
+            </a:lvl5pPr>
+            <a:lvl6pPr marL="2514600" indent="-228600" algn="l" defTabSz="914400" rtl="0" eaLnBrk="1" latinLnBrk="0" hangingPunct="1">
+              <a:lnSpc>
+                <a:spcPct val="90000"/>
+              </a:lnSpc>
+              <a:spcBef>
+                <a:spcPts val="500"/>
+              </a:spcBef>
+              <a:buFont typeface="Arial" panose="020B0604020202020204" pitchFamily="34" charset="0"/>
+              <a:buChar char="•"/>
+              <a:defRPr sz="1800" kern="1200">
+                <a:solidFill>
+                  <a:schemeClr val="tx1"/>
+                </a:solidFill>
+                <a:latin typeface="+mn-lt"/>
+                <a:ea typeface="+mn-ea"/>
+                <a:cs typeface="+mn-cs"/>
+              </a:defRPr>
+            </a:lvl6pPr>
+            <a:lvl7pPr marL="2971800" indent="-228600" algn="l" defTabSz="914400" rtl="0" eaLnBrk="1" latinLnBrk="0" hangingPunct="1">
+              <a:lnSpc>
+                <a:spcPct val="90000"/>
+              </a:lnSpc>
+              <a:spcBef>
+                <a:spcPts val="500"/>
+              </a:spcBef>
+              <a:buFont typeface="Arial" panose="020B0604020202020204" pitchFamily="34" charset="0"/>
+              <a:buChar char="•"/>
+              <a:defRPr sz="1800" kern="1200">
+                <a:solidFill>
+                  <a:schemeClr val="tx1"/>
+                </a:solidFill>
+                <a:latin typeface="+mn-lt"/>
+                <a:ea typeface="+mn-ea"/>
+                <a:cs typeface="+mn-cs"/>
+              </a:defRPr>
+            </a:lvl7pPr>
+            <a:lvl8pPr marL="3429000" indent="-228600" algn="l" defTabSz="914400" rtl="0" eaLnBrk="1" latinLnBrk="0" hangingPunct="1">
+              <a:lnSpc>
+                <a:spcPct val="90000"/>
+              </a:lnSpc>
+              <a:spcBef>
+                <a:spcPts val="500"/>
+              </a:spcBef>
+              <a:buFont typeface="Arial" panose="020B0604020202020204" pitchFamily="34" charset="0"/>
+              <a:buChar char="•"/>
+              <a:defRPr sz="1800" kern="1200">
+                <a:solidFill>
+                  <a:schemeClr val="tx1"/>
+                </a:solidFill>
+                <a:latin typeface="+mn-lt"/>
+                <a:ea typeface="+mn-ea"/>
+                <a:cs typeface="+mn-cs"/>
+              </a:defRPr>
+            </a:lvl8pPr>
+            <a:lvl9pPr marL="3886200" indent="-228600" algn="l" defTabSz="914400" rtl="0" eaLnBrk="1" latinLnBrk="0" hangingPunct="1">
+              <a:lnSpc>
+                <a:spcPct val="90000"/>
+              </a:lnSpc>
+              <a:spcBef>
+                <a:spcPts val="500"/>
+              </a:spcBef>
+              <a:buFont typeface="Arial" panose="020B0604020202020204" pitchFamily="34" charset="0"/>
+              <a:buChar char="•"/>
+              <a:defRPr sz="1800" kern="1200">
+                <a:solidFill>
+                  <a:schemeClr val="tx1"/>
+                </a:solidFill>
+                <a:latin typeface="+mn-lt"/>
+                <a:ea typeface="+mn-ea"/>
+                <a:cs typeface="+mn-cs"/>
+              </a:defRPr>
+            </a:lvl9pPr>
+          </a:lstStyle>
+          <a:p>
+            <a:pPr eaLnBrk="1" hangingPunct="1">
+              <a:lnSpc>
+                <a:spcPct val="150000"/>
+              </a:lnSpc>
+              <a:defRPr/>
+            </a:pPr>
+            <a:r>
+              <a:rPr lang="zh-CN" altLang="en-US" sz="2800" dirty="0">
+                <a:solidFill>
+                  <a:schemeClr val="tx1">
+                    <a:lumMod val="65000"/>
+                    <a:lumOff val="35000"/>
+                  </a:schemeClr>
+                </a:solidFill>
+                <a:latin typeface="微软雅黑 Light" panose="020B0502040204020203" pitchFamily="34" charset="-122"/>
+                <a:ea typeface="微软雅黑 Light" panose="020B0502040204020203" pitchFamily="34" charset="-122"/>
+              </a:rPr>
+              <a:t>计算机图形渲染管线</a:t>
+            </a:r>
+            <a:r>
+              <a:rPr lang="en-US" altLang="zh-CN" sz="2800" dirty="0">
+                <a:solidFill>
+                  <a:schemeClr val="tx1">
+                    <a:lumMod val="65000"/>
+                    <a:lumOff val="35000"/>
+                  </a:schemeClr>
+                </a:solidFill>
+                <a:latin typeface="微软雅黑 Light" panose="020B0502040204020203" pitchFamily="34" charset="-122"/>
+                <a:ea typeface="微软雅黑 Light" panose="020B0502040204020203" pitchFamily="34" charset="-122"/>
+              </a:rPr>
+              <a:t>-</a:t>
+            </a:r>
+            <a:r>
+              <a:rPr lang="zh-CN" altLang="en-US" sz="2800" dirty="0">
+                <a:solidFill>
+                  <a:schemeClr val="tx1">
+                    <a:lumMod val="65000"/>
+                    <a:lumOff val="35000"/>
+                  </a:schemeClr>
+                </a:solidFill>
+                <a:latin typeface="微软雅黑 Light" panose="020B0502040204020203" pitchFamily="34" charset="-122"/>
+                <a:ea typeface="微软雅黑 Light" panose="020B0502040204020203" pitchFamily="34" charset="-122"/>
+              </a:rPr>
+              <a:t>固定管线</a:t>
+            </a:r>
+            <a:endParaRPr lang="en-US" altLang="zh-CN" sz="2800" dirty="0">
+              <a:solidFill>
+                <a:schemeClr val="tx1">
+                  <a:lumMod val="65000"/>
+                  <a:lumOff val="35000"/>
+                </a:schemeClr>
+              </a:solidFill>
+              <a:latin typeface="微软雅黑 Light" panose="020B0502040204020203" pitchFamily="34" charset="-122"/>
+              <a:ea typeface="微软雅黑 Light" panose="020B0502040204020203" pitchFamily="34" charset="-122"/>
+            </a:endParaRPr>
+          </a:p>
+          <a:p>
+            <a:pPr lvl="1" eaLnBrk="1" hangingPunct="1">
+              <a:lnSpc>
+                <a:spcPct val="150000"/>
+              </a:lnSpc>
+              <a:defRPr/>
+            </a:pPr>
+            <a:r>
+              <a:rPr lang="zh-CN" altLang="en-US" sz="2400" dirty="0">
+                <a:solidFill>
+                  <a:schemeClr val="tx1">
+                    <a:lumMod val="65000"/>
+                    <a:lumOff val="35000"/>
+                  </a:schemeClr>
+                </a:solidFill>
+                <a:latin typeface="微软雅黑 Light" panose="020B0502040204020203" pitchFamily="34" charset="-122"/>
+                <a:ea typeface="微软雅黑 Light" panose="020B0502040204020203" pitchFamily="34" charset="-122"/>
+              </a:rPr>
+              <a:t>固定渲染管线的每个阶段</a:t>
+            </a:r>
+            <a:endParaRPr lang="en-US" altLang="zh-CN" sz="2400" dirty="0">
+              <a:solidFill>
+                <a:schemeClr val="tx1">
+                  <a:lumMod val="65000"/>
+                  <a:lumOff val="35000"/>
+                </a:schemeClr>
+              </a:solidFill>
+              <a:latin typeface="微软雅黑 Light" panose="020B0502040204020203" pitchFamily="34" charset="-122"/>
+              <a:ea typeface="微软雅黑 Light" panose="020B0502040204020203" pitchFamily="34" charset="-122"/>
+            </a:endParaRPr>
+          </a:p>
+          <a:p>
+            <a:pPr lvl="1" eaLnBrk="1" hangingPunct="1">
+              <a:lnSpc>
+                <a:spcPct val="150000"/>
+              </a:lnSpc>
+              <a:defRPr/>
+            </a:pPr>
+            <a:r>
+              <a:rPr lang="zh-CN" altLang="en-US" sz="2400" dirty="0">
+                <a:solidFill>
+                  <a:schemeClr val="tx1">
+                    <a:lumMod val="65000"/>
+                    <a:lumOff val="35000"/>
+                  </a:schemeClr>
+                </a:solidFill>
+                <a:latin typeface="微软雅黑 Light" panose="020B0502040204020203" pitchFamily="34" charset="-122"/>
+                <a:ea typeface="微软雅黑 Light" panose="020B0502040204020203" pitchFamily="34" charset="-122"/>
+              </a:rPr>
+              <a:t>以上每个阶段的数学原理</a:t>
+            </a:r>
+            <a:endParaRPr lang="en-US" altLang="zh-CN" sz="2400" dirty="0">
+              <a:solidFill>
+                <a:schemeClr val="tx1">
+                  <a:lumMod val="65000"/>
+                  <a:lumOff val="35000"/>
+                </a:schemeClr>
+              </a:solidFill>
+              <a:latin typeface="微软雅黑 Light" panose="020B0502040204020203" pitchFamily="34" charset="-122"/>
+              <a:ea typeface="微软雅黑 Light" panose="020B0502040204020203" pitchFamily="34" charset="-122"/>
+            </a:endParaRPr>
+          </a:p>
+          <a:p>
+            <a:pPr lvl="1" eaLnBrk="1" hangingPunct="1">
+              <a:lnSpc>
+                <a:spcPct val="150000"/>
+              </a:lnSpc>
+              <a:defRPr/>
+            </a:pPr>
+            <a:r>
+              <a:rPr lang="zh-CN" altLang="en-US" sz="2400" dirty="0">
+                <a:solidFill>
+                  <a:schemeClr val="tx1">
+                    <a:lumMod val="65000"/>
+                    <a:lumOff val="35000"/>
+                  </a:schemeClr>
+                </a:solidFill>
+                <a:latin typeface="微软雅黑 Light" panose="020B0502040204020203" pitchFamily="34" charset="-122"/>
+                <a:ea typeface="微软雅黑 Light" panose="020B0502040204020203" pitchFamily="34" charset="-122"/>
+              </a:rPr>
+              <a:t>讲解</a:t>
+            </a:r>
+            <a:r>
+              <a:rPr lang="en-US" altLang="zh-CN" sz="2400" dirty="0">
+                <a:solidFill>
+                  <a:schemeClr val="tx1">
+                    <a:lumMod val="65000"/>
+                    <a:lumOff val="35000"/>
+                  </a:schemeClr>
+                </a:solidFill>
+                <a:latin typeface="微软雅黑 Light" panose="020B0502040204020203" pitchFamily="34" charset="-122"/>
+                <a:ea typeface="微软雅黑 Light" panose="020B0502040204020203" pitchFamily="34" charset="-122"/>
+              </a:rPr>
+              <a:t>OpenGL</a:t>
+            </a:r>
+            <a:r>
+              <a:rPr lang="zh-CN" altLang="en-US" sz="2400" dirty="0">
+                <a:solidFill>
+                  <a:schemeClr val="tx1">
+                    <a:lumMod val="65000"/>
+                    <a:lumOff val="35000"/>
+                  </a:schemeClr>
+                </a:solidFill>
+                <a:latin typeface="微软雅黑 Light" panose="020B0502040204020203" pitchFamily="34" charset="-122"/>
+                <a:ea typeface="微软雅黑 Light" panose="020B0502040204020203" pitchFamily="34" charset="-122"/>
+              </a:rPr>
+              <a:t>中固定管线</a:t>
+            </a:r>
+            <a:endParaRPr lang="en-US" altLang="zh-CN" sz="2400" dirty="0">
+              <a:solidFill>
+                <a:schemeClr val="tx1">
+                  <a:lumMod val="65000"/>
+                  <a:lumOff val="35000"/>
+                </a:schemeClr>
+              </a:solidFill>
+              <a:latin typeface="微软雅黑 Light" panose="020B0502040204020203" pitchFamily="34" charset="-122"/>
+              <a:ea typeface="微软雅黑 Light" panose="020B0502040204020203" pitchFamily="34" charset="-122"/>
+            </a:endParaRPr>
+          </a:p>
+          <a:p>
+            <a:pPr lvl="1" eaLnBrk="1" hangingPunct="1">
+              <a:lnSpc>
+                <a:spcPct val="150000"/>
+              </a:lnSpc>
+              <a:defRPr/>
+            </a:pPr>
+            <a:r>
+              <a:rPr lang="zh-CN" altLang="en-US" sz="2400" dirty="0">
+                <a:solidFill>
+                  <a:schemeClr val="tx1">
+                    <a:lumMod val="65000"/>
+                    <a:lumOff val="35000"/>
+                  </a:schemeClr>
+                </a:solidFill>
+                <a:latin typeface="微软雅黑 Light" panose="020B0502040204020203" pitchFamily="34" charset="-122"/>
+                <a:ea typeface="微软雅黑 Light" panose="020B0502040204020203" pitchFamily="34" charset="-122"/>
+              </a:rPr>
+              <a:t>在</a:t>
+            </a:r>
+            <a:r>
+              <a:rPr lang="en-US" altLang="zh-CN" sz="2400" dirty="0">
+                <a:solidFill>
+                  <a:schemeClr val="tx1">
+                    <a:lumMod val="65000"/>
+                    <a:lumOff val="35000"/>
+                  </a:schemeClr>
+                </a:solidFill>
+                <a:latin typeface="微软雅黑 Light" panose="020B0502040204020203" pitchFamily="34" charset="-122"/>
+                <a:ea typeface="微软雅黑 Light" panose="020B0502040204020203" pitchFamily="34" charset="-122"/>
+              </a:rPr>
+              <a:t>OpenGL</a:t>
+            </a:r>
+            <a:r>
+              <a:rPr lang="zh-CN" altLang="en-US" sz="2400" dirty="0">
+                <a:solidFill>
+                  <a:schemeClr val="tx1">
+                    <a:lumMod val="65000"/>
+                    <a:lumOff val="35000"/>
+                  </a:schemeClr>
+                </a:solidFill>
+                <a:latin typeface="微软雅黑 Light" panose="020B0502040204020203" pitchFamily="34" charset="-122"/>
+                <a:ea typeface="微软雅黑 Light" panose="020B0502040204020203" pitchFamily="34" charset="-122"/>
+              </a:rPr>
+              <a:t>中验证数学过程</a:t>
+            </a:r>
+            <a:endParaRPr lang="en-US" altLang="zh-CN" sz="2400" dirty="0">
+              <a:solidFill>
+                <a:schemeClr val="tx1">
+                  <a:lumMod val="65000"/>
+                  <a:lumOff val="35000"/>
+                </a:schemeClr>
+              </a:solidFill>
+              <a:latin typeface="微软雅黑 Light" panose="020B0502040204020203" pitchFamily="34" charset="-122"/>
+              <a:ea typeface="微软雅黑 Light" panose="020B0502040204020203" pitchFamily="34" charset="-122"/>
+            </a:endParaRPr>
+          </a:p>
+        </p:txBody>
+      </p:sp>
+    </p:spTree>
+    <p:extLst>
+      <p:ext uri="{BB962C8B-B14F-4D97-AF65-F5344CB8AC3E}">
+        <p14:creationId xmlns:p14="http://schemas.microsoft.com/office/powerpoint/2010/main" val="3205869875"/>
+      </p:ext>
+    </p:extLst>
+  </p:cSld>
+  <p:clrMapOvr>
+    <a:masterClrMapping/>
+  </p:clrMapOvr>
+</p:sld>
+</file>
+
+<file path=ppt/slides/slide9.xml><?xml version="1.0" encoding="utf-8"?>
 <p:sld xmlns:a="http://schemas.openxmlformats.org/drawingml/2006/main" xmlns:r="http://schemas.openxmlformats.org/officeDocument/2006/relationships" xmlns:p="http://schemas.openxmlformats.org/presentationml/2006/main">
   <p:cSld>
     <p:spTree>
